--- a/doc/presentación.pptx
+++ b/doc/presentación.pptx
@@ -111,6 +111,11 @@
       </a:defRPr>
     </a:lvl9pPr>
   </p:defaultTextStyle>
+  <p:extLst>
+    <p:ext uri="{EFAFB233-063F-42B5-8137-9DF3F51BA10A}">
+      <p15:sldGuideLst xmlns:p15="http://schemas.microsoft.com/office/powerpoint/2012/main"/>
+    </p:ext>
+  </p:extLst>
 </p:presentation>
 </file>
 
@@ -300,7 +305,7 @@
           <a:p>
             <a:fld id="{4AAD347D-5ACD-4C99-B74B-A9C85AD731AF}" type="datetimeFigureOut">
               <a:rPr lang="en-US" dirty="0"/>
-              <a:t>1/21/2019</a:t>
+              <a:t>1/22/2019</a:t>
             </a:fld>
             <a:endParaRPr lang="en-US" dirty="0"/>
           </a:p>
@@ -570,7 +575,7 @@
           <a:p>
             <a:fld id="{4509A250-FF31-4206-8172-F9D3106AACB1}" type="datetimeFigureOut">
               <a:rPr lang="en-US" dirty="0"/>
-              <a:t>1/21/2019</a:t>
+              <a:t>1/22/2019</a:t>
             </a:fld>
             <a:endParaRPr lang="en-US" dirty="0"/>
           </a:p>
@@ -759,7 +764,7 @@
           <a:p>
             <a:fld id="{4509A250-FF31-4206-8172-F9D3106AACB1}" type="datetimeFigureOut">
               <a:rPr lang="en-US" dirty="0"/>
-              <a:t>1/21/2019</a:t>
+              <a:t>1/22/2019</a:t>
             </a:fld>
             <a:endParaRPr lang="en-US" dirty="0"/>
           </a:p>
@@ -1027,7 +1032,7 @@
           <a:p>
             <a:fld id="{4509A250-FF31-4206-8172-F9D3106AACB1}" type="datetimeFigureOut">
               <a:rPr lang="en-US" dirty="0"/>
-              <a:t>1/21/2019</a:t>
+              <a:t>1/22/2019</a:t>
             </a:fld>
             <a:endParaRPr lang="en-US" dirty="0"/>
           </a:p>
@@ -1363,7 +1368,7 @@
           <a:p>
             <a:fld id="{4509A250-FF31-4206-8172-F9D3106AACB1}" type="datetimeFigureOut">
               <a:rPr lang="en-US" dirty="0"/>
-              <a:t>1/21/2019</a:t>
+              <a:t>1/22/2019</a:t>
             </a:fld>
             <a:endParaRPr lang="en-US" dirty="0"/>
           </a:p>
@@ -1981,7 +1986,7 @@
           <a:p>
             <a:fld id="{4509A250-FF31-4206-8172-F9D3106AACB1}" type="datetimeFigureOut">
               <a:rPr lang="en-US" dirty="0"/>
-              <a:t>1/21/2019</a:t>
+              <a:t>1/22/2019</a:t>
             </a:fld>
             <a:endParaRPr lang="en-US" dirty="0"/>
           </a:p>
@@ -2836,7 +2841,7 @@
           <a:p>
             <a:fld id="{4509A250-FF31-4206-8172-F9D3106AACB1}" type="datetimeFigureOut">
               <a:rPr lang="en-US" dirty="0"/>
-              <a:t>1/21/2019</a:t>
+              <a:t>1/22/2019</a:t>
             </a:fld>
             <a:endParaRPr lang="en-US" dirty="0"/>
           </a:p>
@@ -3001,7 +3006,7 @@
           <a:p>
             <a:fld id="{4509A250-FF31-4206-8172-F9D3106AACB1}" type="datetimeFigureOut">
               <a:rPr lang="en-US" dirty="0"/>
-              <a:t>1/21/2019</a:t>
+              <a:t>1/22/2019</a:t>
             </a:fld>
             <a:endParaRPr lang="en-US" dirty="0"/>
           </a:p>
@@ -3176,7 +3181,7 @@
           <a:p>
             <a:fld id="{4509A250-FF31-4206-8172-F9D3106AACB1}" type="datetimeFigureOut">
               <a:rPr lang="en-US" dirty="0"/>
-              <a:t>1/21/2019</a:t>
+              <a:t>1/22/2019</a:t>
             </a:fld>
             <a:endParaRPr lang="en-US" dirty="0"/>
           </a:p>
@@ -3341,7 +3346,7 @@
           <a:p>
             <a:fld id="{4509A250-FF31-4206-8172-F9D3106AACB1}" type="datetimeFigureOut">
               <a:rPr lang="en-US" dirty="0"/>
-              <a:t>1/21/2019</a:t>
+              <a:t>1/22/2019</a:t>
             </a:fld>
             <a:endParaRPr lang="en-US" dirty="0"/>
           </a:p>
@@ -3583,7 +3588,7 @@
           <a:p>
             <a:fld id="{9796027F-7875-4030-9381-8BD8C4F21935}" type="datetimeFigureOut">
               <a:rPr lang="en-US" dirty="0"/>
-              <a:t>1/21/2019</a:t>
+              <a:t>1/22/2019</a:t>
             </a:fld>
             <a:endParaRPr lang="en-US" dirty="0"/>
           </a:p>
@@ -3870,7 +3875,7 @@
           <a:p>
             <a:fld id="{9796027F-7875-4030-9381-8BD8C4F21935}" type="datetimeFigureOut">
               <a:rPr lang="en-US" dirty="0"/>
-              <a:t>1/21/2019</a:t>
+              <a:t>1/22/2019</a:t>
             </a:fld>
             <a:endParaRPr lang="en-US" dirty="0"/>
           </a:p>
@@ -4309,7 +4314,7 @@
           <a:p>
             <a:fld id="{9796027F-7875-4030-9381-8BD8C4F21935}" type="datetimeFigureOut">
               <a:rPr lang="en-US" dirty="0"/>
-              <a:t>1/21/2019</a:t>
+              <a:t>1/22/2019</a:t>
             </a:fld>
             <a:endParaRPr lang="en-US" dirty="0"/>
           </a:p>
@@ -4422,7 +4427,7 @@
           <a:p>
             <a:fld id="{4509A250-FF31-4206-8172-F9D3106AACB1}" type="datetimeFigureOut">
               <a:rPr lang="en-US" dirty="0"/>
-              <a:t>1/21/2019</a:t>
+              <a:t>1/22/2019</a:t>
             </a:fld>
             <a:endParaRPr lang="en-US" dirty="0"/>
           </a:p>
@@ -4512,7 +4517,7 @@
           <a:p>
             <a:fld id="{4509A250-FF31-4206-8172-F9D3106AACB1}" type="datetimeFigureOut">
               <a:rPr lang="en-US" dirty="0"/>
-              <a:t>1/21/2019</a:t>
+              <a:t>1/22/2019</a:t>
             </a:fld>
             <a:endParaRPr lang="en-US" dirty="0"/>
           </a:p>
@@ -4786,7 +4791,7 @@
           <a:p>
             <a:fld id="{4509A250-FF31-4206-8172-F9D3106AACB1}" type="datetimeFigureOut">
               <a:rPr lang="en-US" dirty="0"/>
-              <a:t>1/21/2019</a:t>
+              <a:t>1/22/2019</a:t>
             </a:fld>
             <a:endParaRPr lang="en-US" dirty="0"/>
           </a:p>
@@ -5056,7 +5061,7 @@
           <a:p>
             <a:fld id="{4509A250-FF31-4206-8172-F9D3106AACB1}" type="datetimeFigureOut">
               <a:rPr lang="en-US" dirty="0"/>
-              <a:t>1/21/2019</a:t>
+              <a:t>1/22/2019</a:t>
             </a:fld>
             <a:endParaRPr lang="en-US" dirty="0"/>
           </a:p>
@@ -5480,7 +5485,7 @@
           <a:p>
             <a:fld id="{4AAD347D-5ACD-4C99-B74B-A9C85AD731AF}" type="datetimeFigureOut">
               <a:rPr lang="en-US" dirty="0"/>
-              <a:t>1/21/2019</a:t>
+              <a:t>1/22/2019</a:t>
             </a:fld>
             <a:endParaRPr lang="en-US" dirty="0"/>
           </a:p>
@@ -9756,10 +9761,10 @@
       </p:grpSpPr>
       <p:sp>
         <p:nvSpPr>
-          <p:cNvPr id="9" name="Rectangle 8">
+          <p:cNvPr id="23" name="Rectangle 19">
             <a:extLst>
               <a:ext uri="{FF2B5EF4-FFF2-40B4-BE49-F238E27FC236}">
-                <a16:creationId xmlns:a16="http://schemas.microsoft.com/office/drawing/2014/main" id="{5F3FC718-FDE3-4EF7-921E-A5F374EAF824}"/>
+                <a16:creationId xmlns:a16="http://schemas.microsoft.com/office/drawing/2014/main" id="{49076D5E-68ED-4CD1-A04F-E7934EBFAAD9}"/>
               </a:ext>
               <a:ext uri="{C183D7F6-B498-43B3-948B-1728B52AA6E4}">
                 <adec:decorative xmlns:adec="http://schemas.microsoft.com/office/drawing/2017/decorative" val="1"/>
@@ -9832,18 +9837,18 @@
         </p:nvSpPr>
         <p:spPr>
           <a:xfrm>
-            <a:off x="643855" y="1447799"/>
-            <a:ext cx="3108626" cy="1444752"/>
+            <a:off x="648929" y="629266"/>
+            <a:ext cx="3505495" cy="1622321"/>
           </a:xfrm>
         </p:spPr>
         <p:txBody>
-          <a:bodyPr anchor="b">
+          <a:bodyPr>
             <a:normAutofit/>
           </a:bodyPr>
           <a:lstStyle/>
           <a:p>
             <a:r>
-              <a:rPr lang="es-ES" sz="3200">
+              <a:rPr lang="es-ES">
                 <a:solidFill>
                   <a:srgbClr val="EBEBEB"/>
                 </a:solidFill>
@@ -9871,8 +9876,8 @@
         </p:nvSpPr>
         <p:spPr>
           <a:xfrm>
-            <a:off x="643855" y="3072385"/>
-            <a:ext cx="3108057" cy="2947415"/>
+            <a:off x="648931" y="2438400"/>
+            <a:ext cx="3505494" cy="3785419"/>
           </a:xfrm>
         </p:spPr>
         <p:txBody>
@@ -9882,7 +9887,7 @@
           <a:lstStyle/>
           <a:p>
             <a:r>
-              <a:rPr lang="es-ES" sz="1400">
+              <a:rPr lang="es-ES">
                 <a:solidFill>
                   <a:srgbClr val="FFFFFF"/>
                 </a:solidFill>
@@ -9891,7 +9896,7 @@
             </a:r>
           </a:p>
           <a:p>
-            <a:endParaRPr lang="es-ES" sz="1400">
+            <a:endParaRPr lang="es-ES">
               <a:solidFill>
                 <a:srgbClr val="FFFFFF"/>
               </a:solidFill>
@@ -9901,10 +9906,10 @@
       </p:sp>
       <p:sp>
         <p:nvSpPr>
-          <p:cNvPr id="11" name="Freeform 11">
+          <p:cNvPr id="22" name="Rectangle 21">
             <a:extLst>
               <a:ext uri="{FF2B5EF4-FFF2-40B4-BE49-F238E27FC236}">
-                <a16:creationId xmlns:a16="http://schemas.microsoft.com/office/drawing/2014/main" id="{FAA0F719-3DC8-4F08-AD8F-5A845658CB9D}"/>
+                <a16:creationId xmlns:a16="http://schemas.microsoft.com/office/drawing/2014/main" id="{21BE0A6B-EBF8-4301-B1AE-F6A1C4003E2A}"/>
               </a:ext>
               <a:ext uri="{C183D7F6-B498-43B3-948B-1728B52AA6E4}">
                 <adec:decorative xmlns:adec="http://schemas.microsoft.com/office/drawing/2017/decorative" val="1"/>
@@ -9924,324 +9929,35 @@
         </p:nvSpPr>
         <p:spPr>
           <a:xfrm>
-            <a:off x="3948110" y="-1"/>
-            <a:ext cx="559472" cy="3709642"/>
+            <a:off x="4639056" y="0"/>
+            <a:ext cx="7552944" cy="6858000"/>
           </a:xfrm>
-          <a:custGeom>
+          <a:prstGeom prst="rect">
             <a:avLst/>
-            <a:gdLst>
-              <a:gd name="connsiteX0" fmla="*/ 0 w 559472"/>
-              <a:gd name="connsiteY0" fmla="*/ 0 h 3709642"/>
-              <a:gd name="connsiteX1" fmla="*/ 473952 w 559472"/>
-              <a:gd name="connsiteY1" fmla="*/ 0 h 3709642"/>
-              <a:gd name="connsiteX2" fmla="*/ 485840 w 559472"/>
-              <a:gd name="connsiteY2" fmla="*/ 161194 h 3709642"/>
-              <a:gd name="connsiteX3" fmla="*/ 523949 w 559472"/>
-              <a:gd name="connsiteY3" fmla="*/ 3672197 h 3709642"/>
-              <a:gd name="connsiteX4" fmla="*/ 454748 w 559472"/>
-              <a:gd name="connsiteY4" fmla="*/ 3709642 h 3709642"/>
-              <a:gd name="connsiteX5" fmla="*/ 448224 w 559472"/>
-              <a:gd name="connsiteY5" fmla="*/ 3510471 h 3709642"/>
-              <a:gd name="connsiteX6" fmla="*/ 443564 w 559472"/>
-              <a:gd name="connsiteY6" fmla="*/ 3408563 h 3709642"/>
-              <a:gd name="connsiteX7" fmla="*/ 438902 w 559472"/>
-              <a:gd name="connsiteY7" fmla="*/ 3304407 h 3709642"/>
-              <a:gd name="connsiteX8" fmla="*/ 433941 w 559472"/>
-              <a:gd name="connsiteY8" fmla="*/ 3198777 h 3709642"/>
-              <a:gd name="connsiteX9" fmla="*/ 427584 w 559472"/>
-              <a:gd name="connsiteY9" fmla="*/ 3092510 h 3709642"/>
-              <a:gd name="connsiteX10" fmla="*/ 420988 w 559472"/>
-              <a:gd name="connsiteY10" fmla="*/ 2984390 h 3709642"/>
-              <a:gd name="connsiteX11" fmla="*/ 414330 w 559472"/>
-              <a:gd name="connsiteY11" fmla="*/ 2874401 h 3709642"/>
-              <a:gd name="connsiteX12" fmla="*/ 406840 w 559472"/>
-              <a:gd name="connsiteY12" fmla="*/ 2762980 h 3709642"/>
-              <a:gd name="connsiteX13" fmla="*/ 397745 w 559472"/>
-              <a:gd name="connsiteY13" fmla="*/ 2650566 h 3709642"/>
-              <a:gd name="connsiteX14" fmla="*/ 389154 w 559472"/>
-              <a:gd name="connsiteY14" fmla="*/ 2536612 h 3709642"/>
-              <a:gd name="connsiteX15" fmla="*/ 379225 w 559472"/>
-              <a:gd name="connsiteY15" fmla="*/ 2421642 h 3709642"/>
-              <a:gd name="connsiteX16" fmla="*/ 368316 w 559472"/>
-              <a:gd name="connsiteY16" fmla="*/ 2305627 h 3709642"/>
-              <a:gd name="connsiteX17" fmla="*/ 357466 w 559472"/>
-              <a:gd name="connsiteY17" fmla="*/ 2189233 h 3709642"/>
-              <a:gd name="connsiteX18" fmla="*/ 344982 w 559472"/>
-              <a:gd name="connsiteY18" fmla="*/ 2071473 h 3709642"/>
-              <a:gd name="connsiteX19" fmla="*/ 332466 w 559472"/>
-              <a:gd name="connsiteY19" fmla="*/ 1952216 h 3709642"/>
-              <a:gd name="connsiteX20" fmla="*/ 319121 w 559472"/>
-              <a:gd name="connsiteY20" fmla="*/ 1833776 h 3709642"/>
-              <a:gd name="connsiteX21" fmla="*/ 304408 w 559472"/>
-              <a:gd name="connsiteY21" fmla="*/ 1713948 h 3709642"/>
-              <a:gd name="connsiteX22" fmla="*/ 288685 w 559472"/>
-              <a:gd name="connsiteY22" fmla="*/ 1592703 h 3709642"/>
-              <a:gd name="connsiteX23" fmla="*/ 273050 w 559472"/>
-              <a:gd name="connsiteY23" fmla="*/ 1471451 h 3709642"/>
-              <a:gd name="connsiteX24" fmla="*/ 255813 w 559472"/>
-              <a:gd name="connsiteY24" fmla="*/ 1350328 h 3709642"/>
-              <a:gd name="connsiteX25" fmla="*/ 237060 w 559472"/>
-              <a:gd name="connsiteY25" fmla="*/ 1227080 h 3709642"/>
-              <a:gd name="connsiteX26" fmla="*/ 218488 w 559472"/>
-              <a:gd name="connsiteY26" fmla="*/ 1106065 h 3709642"/>
-              <a:gd name="connsiteX27" fmla="*/ 198221 w 559472"/>
-              <a:gd name="connsiteY27" fmla="*/ 982940 h 3709642"/>
-              <a:gd name="connsiteX28" fmla="*/ 177152 w 559472"/>
-              <a:gd name="connsiteY28" fmla="*/ 858755 h 3709642"/>
-              <a:gd name="connsiteX29" fmla="*/ 155551 w 559472"/>
-              <a:gd name="connsiteY29" fmla="*/ 736861 h 3709642"/>
-              <a:gd name="connsiteX30" fmla="*/ 131782 w 559472"/>
-              <a:gd name="connsiteY30" fmla="*/ 613645 h 3709642"/>
-              <a:gd name="connsiteX31" fmla="*/ 107123 w 559472"/>
-              <a:gd name="connsiteY31" fmla="*/ 490500 h 3709642"/>
-              <a:gd name="connsiteX32" fmla="*/ 82552 w 559472"/>
-              <a:gd name="connsiteY32" fmla="*/ 367348 h 3709642"/>
-              <a:gd name="connsiteX33" fmla="*/ 55608 w 559472"/>
-              <a:gd name="connsiteY33" fmla="*/ 244762 h 3709642"/>
-              <a:gd name="connsiteX34" fmla="*/ 28130 w 559472"/>
-              <a:gd name="connsiteY34" fmla="*/ 122220 h 3709642"/>
-              <a:gd name="connsiteX35" fmla="*/ 0 w 559472"/>
-              <a:gd name="connsiteY35" fmla="*/ 0 h 3709642"/>
-            </a:gdLst>
-            <a:ahLst/>
-            <a:cxnLst>
-              <a:cxn ang="0">
-                <a:pos x="connsiteX0" y="connsiteY0"/>
-              </a:cxn>
-              <a:cxn ang="0">
-                <a:pos x="connsiteX1" y="connsiteY1"/>
-              </a:cxn>
-              <a:cxn ang="0">
-                <a:pos x="connsiteX2" y="connsiteY2"/>
-              </a:cxn>
-              <a:cxn ang="0">
-                <a:pos x="connsiteX3" y="connsiteY3"/>
-              </a:cxn>
-              <a:cxn ang="0">
-                <a:pos x="connsiteX4" y="connsiteY4"/>
-              </a:cxn>
-              <a:cxn ang="0">
-                <a:pos x="connsiteX5" y="connsiteY5"/>
-              </a:cxn>
-              <a:cxn ang="0">
-                <a:pos x="connsiteX6" y="connsiteY6"/>
-              </a:cxn>
-              <a:cxn ang="0">
-                <a:pos x="connsiteX7" y="connsiteY7"/>
-              </a:cxn>
-              <a:cxn ang="0">
-                <a:pos x="connsiteX8" y="connsiteY8"/>
-              </a:cxn>
-              <a:cxn ang="0">
-                <a:pos x="connsiteX9" y="connsiteY9"/>
-              </a:cxn>
-              <a:cxn ang="0">
-                <a:pos x="connsiteX10" y="connsiteY10"/>
-              </a:cxn>
-              <a:cxn ang="0">
-                <a:pos x="connsiteX11" y="connsiteY11"/>
-              </a:cxn>
-              <a:cxn ang="0">
-                <a:pos x="connsiteX12" y="connsiteY12"/>
-              </a:cxn>
-              <a:cxn ang="0">
-                <a:pos x="connsiteX13" y="connsiteY13"/>
-              </a:cxn>
-              <a:cxn ang="0">
-                <a:pos x="connsiteX14" y="connsiteY14"/>
-              </a:cxn>
-              <a:cxn ang="0">
-                <a:pos x="connsiteX15" y="connsiteY15"/>
-              </a:cxn>
-              <a:cxn ang="0">
-                <a:pos x="connsiteX16" y="connsiteY16"/>
-              </a:cxn>
-              <a:cxn ang="0">
-                <a:pos x="connsiteX17" y="connsiteY17"/>
-              </a:cxn>
-              <a:cxn ang="0">
-                <a:pos x="connsiteX18" y="connsiteY18"/>
-              </a:cxn>
-              <a:cxn ang="0">
-                <a:pos x="connsiteX19" y="connsiteY19"/>
-              </a:cxn>
-              <a:cxn ang="0">
-                <a:pos x="connsiteX20" y="connsiteY20"/>
-              </a:cxn>
-              <a:cxn ang="0">
-                <a:pos x="connsiteX21" y="connsiteY21"/>
-              </a:cxn>
-              <a:cxn ang="0">
-                <a:pos x="connsiteX22" y="connsiteY22"/>
-              </a:cxn>
-              <a:cxn ang="0">
-                <a:pos x="connsiteX23" y="connsiteY23"/>
-              </a:cxn>
-              <a:cxn ang="0">
-                <a:pos x="connsiteX24" y="connsiteY24"/>
-              </a:cxn>
-              <a:cxn ang="0">
-                <a:pos x="connsiteX25" y="connsiteY25"/>
-              </a:cxn>
-              <a:cxn ang="0">
-                <a:pos x="connsiteX26" y="connsiteY26"/>
-              </a:cxn>
-              <a:cxn ang="0">
-                <a:pos x="connsiteX27" y="connsiteY27"/>
-              </a:cxn>
-              <a:cxn ang="0">
-                <a:pos x="connsiteX28" y="connsiteY28"/>
-              </a:cxn>
-              <a:cxn ang="0">
-                <a:pos x="connsiteX29" y="connsiteY29"/>
-              </a:cxn>
-              <a:cxn ang="0">
-                <a:pos x="connsiteX30" y="connsiteY30"/>
-              </a:cxn>
-              <a:cxn ang="0">
-                <a:pos x="connsiteX31" y="connsiteY31"/>
-              </a:cxn>
-              <a:cxn ang="0">
-                <a:pos x="connsiteX32" y="connsiteY32"/>
-              </a:cxn>
-              <a:cxn ang="0">
-                <a:pos x="connsiteX33" y="connsiteY33"/>
-              </a:cxn>
-              <a:cxn ang="0">
-                <a:pos x="connsiteX34" y="connsiteY34"/>
-              </a:cxn>
-              <a:cxn ang="0">
-                <a:pos x="connsiteX35" y="connsiteY35"/>
-              </a:cxn>
-            </a:cxnLst>
-            <a:rect l="l" t="t" r="r" b="b"/>
-            <a:pathLst>
-              <a:path w="559472" h="3709642">
-                <a:moveTo>
-                  <a:pt x="0" y="0"/>
-                </a:moveTo>
-                <a:lnTo>
-                  <a:pt x="473952" y="0"/>
-                </a:lnTo>
-                <a:lnTo>
-                  <a:pt x="485840" y="161194"/>
-                </a:lnTo>
-                <a:cubicBezTo>
-                  <a:pt x="552063" y="1147770"/>
-                  <a:pt x="592441" y="3086737"/>
-                  <a:pt x="523949" y="3672197"/>
-                </a:cubicBezTo>
-                <a:cubicBezTo>
-                  <a:pt x="500842" y="3684557"/>
-                  <a:pt x="477855" y="3697282"/>
-                  <a:pt x="454748" y="3709642"/>
-                </a:cubicBezTo>
-                <a:lnTo>
-                  <a:pt x="448224" y="3510471"/>
-                </a:lnTo>
-                <a:lnTo>
-                  <a:pt x="443564" y="3408563"/>
-                </a:lnTo>
-                <a:lnTo>
-                  <a:pt x="438902" y="3304407"/>
-                </a:lnTo>
-                <a:lnTo>
-                  <a:pt x="433941" y="3198777"/>
-                </a:lnTo>
-                <a:lnTo>
-                  <a:pt x="427584" y="3092510"/>
-                </a:lnTo>
-                <a:lnTo>
-                  <a:pt x="420988" y="2984390"/>
-                </a:lnTo>
-                <a:lnTo>
-                  <a:pt x="414330" y="2874401"/>
-                </a:lnTo>
-                <a:lnTo>
-                  <a:pt x="406840" y="2762980"/>
-                </a:lnTo>
-                <a:lnTo>
-                  <a:pt x="397745" y="2650566"/>
-                </a:lnTo>
-                <a:lnTo>
-                  <a:pt x="389154" y="2536612"/>
-                </a:lnTo>
-                <a:lnTo>
-                  <a:pt x="379225" y="2421642"/>
-                </a:lnTo>
-                <a:lnTo>
-                  <a:pt x="368316" y="2305627"/>
-                </a:lnTo>
-                <a:lnTo>
-                  <a:pt x="357466" y="2189233"/>
-                </a:lnTo>
-                <a:lnTo>
-                  <a:pt x="344982" y="2071473"/>
-                </a:lnTo>
-                <a:lnTo>
-                  <a:pt x="332466" y="1952216"/>
-                </a:lnTo>
-                <a:lnTo>
-                  <a:pt x="319121" y="1833776"/>
-                </a:lnTo>
-                <a:lnTo>
-                  <a:pt x="304408" y="1713948"/>
-                </a:lnTo>
-                <a:lnTo>
-                  <a:pt x="288685" y="1592703"/>
-                </a:lnTo>
-                <a:lnTo>
-                  <a:pt x="273050" y="1471451"/>
-                </a:lnTo>
-                <a:lnTo>
-                  <a:pt x="255813" y="1350328"/>
-                </a:lnTo>
-                <a:lnTo>
-                  <a:pt x="237060" y="1227080"/>
-                </a:lnTo>
-                <a:lnTo>
-                  <a:pt x="218488" y="1106065"/>
-                </a:lnTo>
-                <a:lnTo>
-                  <a:pt x="198221" y="982940"/>
-                </a:lnTo>
-                <a:lnTo>
-                  <a:pt x="177152" y="858755"/>
-                </a:lnTo>
-                <a:lnTo>
-                  <a:pt x="155551" y="736861"/>
-                </a:lnTo>
-                <a:lnTo>
-                  <a:pt x="131782" y="613645"/>
-                </a:lnTo>
-                <a:lnTo>
-                  <a:pt x="107123" y="490500"/>
-                </a:lnTo>
-                <a:lnTo>
-                  <a:pt x="82552" y="367348"/>
-                </a:lnTo>
-                <a:lnTo>
-                  <a:pt x="55608" y="244762"/>
-                </a:lnTo>
-                <a:lnTo>
-                  <a:pt x="28130" y="122220"/>
-                </a:lnTo>
-                <a:lnTo>
-                  <a:pt x="0" y="0"/>
-                </a:lnTo>
-                <a:close/>
-              </a:path>
-            </a:pathLst>
-          </a:custGeom>
+          </a:prstGeom>
           <a:solidFill>
-            <a:schemeClr val="bg1">
-              <a:alpha val="20000"/>
-            </a:schemeClr>
+            <a:srgbClr val="FFFFFF"/>
           </a:solidFill>
           <a:ln>
             <a:noFill/>
           </a:ln>
         </p:spPr>
+        <p:style>
+          <a:lnRef idx="2">
+            <a:schemeClr val="accent1">
+              <a:shade val="50000"/>
+            </a:schemeClr>
+          </a:lnRef>
+          <a:fillRef idx="1">
+            <a:schemeClr val="accent1"/>
+          </a:fillRef>
+          <a:effectRef idx="0">
+            <a:schemeClr val="accent1"/>
+          </a:effectRef>
+          <a:fontRef idx="minor">
+            <a:schemeClr val="lt1"/>
+          </a:fontRef>
+        </p:style>
         <p:txBody>
           <a:bodyPr rtlCol="0" anchor="ctr"/>
           <a:lstStyle/>
@@ -10253,10 +9969,10 @@
       </p:sp>
       <p:sp useBgFill="1">
         <p:nvSpPr>
-          <p:cNvPr id="13" name="Freeform: Shape 12">
+          <p:cNvPr id="24" name="Rounded Rectangle 9">
             <a:extLst>
               <a:ext uri="{FF2B5EF4-FFF2-40B4-BE49-F238E27FC236}">
-                <a16:creationId xmlns:a16="http://schemas.microsoft.com/office/drawing/2014/main" id="{7DCB61BE-FA0F-4EFB-BE0E-268BAD8E30D6}"/>
+                <a16:creationId xmlns:a16="http://schemas.microsoft.com/office/drawing/2014/main" id="{03C06118-B3FE-4B51-80A1-B82C2E9FF970}"/>
               </a:ext>
               <a:ext uri="{C183D7F6-B498-43B3-948B-1728B52AA6E4}">
                 <adec:decorative xmlns:adec="http://schemas.microsoft.com/office/drawing/2017/decorative" val="1"/>
@@ -10274,452 +9990,90 @@
             </p:extLst>
           </p:nvPr>
         </p:nvSpPr>
-        <p:spPr bwMode="gray">
-          <a:xfrm rot="16200000">
-            <a:off x="4747655" y="-586345"/>
-            <a:ext cx="6858001" cy="8030691"/>
+        <p:spPr>
+          <a:xfrm>
+            <a:off x="5123688" y="484632"/>
+            <a:ext cx="6584098" cy="5739187"/>
           </a:xfrm>
-          <a:custGeom>
-            <a:avLst/>
-            <a:gdLst>
-              <a:gd name="connsiteX0" fmla="*/ 6858001 w 6858001"/>
-              <a:gd name="connsiteY0" fmla="*/ 1177 h 8030691"/>
-              <a:gd name="connsiteX1" fmla="*/ 6858001 w 6858001"/>
-              <a:gd name="connsiteY1" fmla="*/ 1344715 h 8030691"/>
-              <a:gd name="connsiteX2" fmla="*/ 6858000 w 6858001"/>
-              <a:gd name="connsiteY2" fmla="*/ 1344715 h 8030691"/>
-              <a:gd name="connsiteX3" fmla="*/ 6858000 w 6858001"/>
-              <a:gd name="connsiteY3" fmla="*/ 8030691 h 8030691"/>
-              <a:gd name="connsiteX4" fmla="*/ 0 w 6858001"/>
-              <a:gd name="connsiteY4" fmla="*/ 8030690 h 8030691"/>
-              <a:gd name="connsiteX5" fmla="*/ 0 w 6858001"/>
-              <a:gd name="connsiteY5" fmla="*/ 477747 h 8030691"/>
-              <a:gd name="connsiteX6" fmla="*/ 1 w 6858001"/>
-              <a:gd name="connsiteY6" fmla="*/ 477747 h 8030691"/>
-              <a:gd name="connsiteX7" fmla="*/ 1 w 6858001"/>
-              <a:gd name="connsiteY7" fmla="*/ 0 h 8030691"/>
-              <a:gd name="connsiteX8" fmla="*/ 40463 w 6858001"/>
-              <a:gd name="connsiteY8" fmla="*/ 5883 h 8030691"/>
-              <a:gd name="connsiteX9" fmla="*/ 159107 w 6858001"/>
-              <a:gd name="connsiteY9" fmla="*/ 23196 h 8030691"/>
-              <a:gd name="connsiteX10" fmla="*/ 245518 w 6858001"/>
-              <a:gd name="connsiteY10" fmla="*/ 35299 h 8030691"/>
-              <a:gd name="connsiteX11" fmla="*/ 348388 w 6858001"/>
-              <a:gd name="connsiteY11" fmla="*/ 48074 h 8030691"/>
-              <a:gd name="connsiteX12" fmla="*/ 470460 w 6858001"/>
-              <a:gd name="connsiteY12" fmla="*/ 63370 h 8030691"/>
-              <a:gd name="connsiteX13" fmla="*/ 605563 w 6858001"/>
-              <a:gd name="connsiteY13" fmla="*/ 79507 h 8030691"/>
-              <a:gd name="connsiteX14" fmla="*/ 757810 w 6858001"/>
-              <a:gd name="connsiteY14" fmla="*/ 96484 h 8030691"/>
-              <a:gd name="connsiteX15" fmla="*/ 923774 w 6858001"/>
-              <a:gd name="connsiteY15" fmla="*/ 114469 h 8030691"/>
-              <a:gd name="connsiteX16" fmla="*/ 1104139 w 6858001"/>
-              <a:gd name="connsiteY16" fmla="*/ 132455 h 8030691"/>
-              <a:gd name="connsiteX17" fmla="*/ 1296163 w 6858001"/>
-              <a:gd name="connsiteY17" fmla="*/ 150776 h 8030691"/>
-              <a:gd name="connsiteX18" fmla="*/ 1503275 w 6858001"/>
-              <a:gd name="connsiteY18" fmla="*/ 167753 h 8030691"/>
-              <a:gd name="connsiteX19" fmla="*/ 1719988 w 6858001"/>
-              <a:gd name="connsiteY19" fmla="*/ 184058 h 8030691"/>
-              <a:gd name="connsiteX20" fmla="*/ 1949045 w 6858001"/>
-              <a:gd name="connsiteY20" fmla="*/ 198850 h 8030691"/>
-              <a:gd name="connsiteX21" fmla="*/ 2187703 w 6858001"/>
-              <a:gd name="connsiteY21" fmla="*/ 212969 h 8030691"/>
-              <a:gd name="connsiteX22" fmla="*/ 2436649 w 6858001"/>
-              <a:gd name="connsiteY22" fmla="*/ 226249 h 8030691"/>
-              <a:gd name="connsiteX23" fmla="*/ 2564208 w 6858001"/>
-              <a:gd name="connsiteY23" fmla="*/ 230955 h 8030691"/>
-              <a:gd name="connsiteX24" fmla="*/ 2694509 w 6858001"/>
-              <a:gd name="connsiteY24" fmla="*/ 236166 h 8030691"/>
-              <a:gd name="connsiteX25" fmla="*/ 2826869 w 6858001"/>
-              <a:gd name="connsiteY25" fmla="*/ 241040 h 8030691"/>
-              <a:gd name="connsiteX26" fmla="*/ 2959914 w 6858001"/>
-              <a:gd name="connsiteY26" fmla="*/ 244234 h 8030691"/>
-              <a:gd name="connsiteX27" fmla="*/ 3095702 w 6858001"/>
-              <a:gd name="connsiteY27" fmla="*/ 247092 h 8030691"/>
-              <a:gd name="connsiteX28" fmla="*/ 3232862 w 6858001"/>
-              <a:gd name="connsiteY28" fmla="*/ 250117 h 8030691"/>
-              <a:gd name="connsiteX29" fmla="*/ 3372766 w 6858001"/>
-              <a:gd name="connsiteY29" fmla="*/ 252134 h 8030691"/>
-              <a:gd name="connsiteX30" fmla="*/ 3514040 w 6858001"/>
-              <a:gd name="connsiteY30" fmla="*/ 252134 h 8030691"/>
-              <a:gd name="connsiteX31" fmla="*/ 3656686 w 6858001"/>
-              <a:gd name="connsiteY31" fmla="*/ 253143 h 8030691"/>
-              <a:gd name="connsiteX32" fmla="*/ 3800705 w 6858001"/>
-              <a:gd name="connsiteY32" fmla="*/ 252134 h 8030691"/>
-              <a:gd name="connsiteX33" fmla="*/ 3946780 w 6858001"/>
-              <a:gd name="connsiteY33" fmla="*/ 250117 h 8030691"/>
-              <a:gd name="connsiteX34" fmla="*/ 4092856 w 6858001"/>
-              <a:gd name="connsiteY34" fmla="*/ 248268 h 8030691"/>
-              <a:gd name="connsiteX35" fmla="*/ 4240988 w 6858001"/>
-              <a:gd name="connsiteY35" fmla="*/ 244234 h 8030691"/>
-              <a:gd name="connsiteX36" fmla="*/ 4390492 w 6858001"/>
-              <a:gd name="connsiteY36" fmla="*/ 240032 h 8030691"/>
-              <a:gd name="connsiteX37" fmla="*/ 4539997 w 6858001"/>
-              <a:gd name="connsiteY37" fmla="*/ 235157 h 8030691"/>
-              <a:gd name="connsiteX38" fmla="*/ 4690873 w 6858001"/>
-              <a:gd name="connsiteY38" fmla="*/ 228266 h 8030691"/>
-              <a:gd name="connsiteX39" fmla="*/ 4843120 w 6858001"/>
-              <a:gd name="connsiteY39" fmla="*/ 220029 h 8030691"/>
-              <a:gd name="connsiteX40" fmla="*/ 4996054 w 6858001"/>
-              <a:gd name="connsiteY40" fmla="*/ 212129 h 8030691"/>
-              <a:gd name="connsiteX41" fmla="*/ 5148987 w 6858001"/>
-              <a:gd name="connsiteY41" fmla="*/ 202044 h 8030691"/>
-              <a:gd name="connsiteX42" fmla="*/ 5303978 w 6858001"/>
-              <a:gd name="connsiteY42" fmla="*/ 189941 h 8030691"/>
-              <a:gd name="connsiteX43" fmla="*/ 5456911 w 6858001"/>
-              <a:gd name="connsiteY43" fmla="*/ 177839 h 8030691"/>
-              <a:gd name="connsiteX44" fmla="*/ 5612588 w 6858001"/>
-              <a:gd name="connsiteY44" fmla="*/ 163887 h 8030691"/>
-              <a:gd name="connsiteX45" fmla="*/ 5768950 w 6858001"/>
-              <a:gd name="connsiteY45" fmla="*/ 148591 h 8030691"/>
-              <a:gd name="connsiteX46" fmla="*/ 5923255 w 6858001"/>
-              <a:gd name="connsiteY46" fmla="*/ 132455 h 8030691"/>
-              <a:gd name="connsiteX47" fmla="*/ 6079618 w 6858001"/>
-              <a:gd name="connsiteY47" fmla="*/ 113629 h 8030691"/>
-              <a:gd name="connsiteX48" fmla="*/ 6235294 w 6858001"/>
-              <a:gd name="connsiteY48" fmla="*/ 93458 h 8030691"/>
-              <a:gd name="connsiteX49" fmla="*/ 6391657 w 6858001"/>
-              <a:gd name="connsiteY49" fmla="*/ 73455 h 8030691"/>
-              <a:gd name="connsiteX50" fmla="*/ 6547333 w 6858001"/>
-              <a:gd name="connsiteY50" fmla="*/ 50091 h 8030691"/>
-              <a:gd name="connsiteX51" fmla="*/ 6702324 w 6858001"/>
-              <a:gd name="connsiteY51" fmla="*/ 26222 h 8030691"/>
-            </a:gdLst>
-            <a:ahLst/>
-            <a:cxnLst>
-              <a:cxn ang="0">
-                <a:pos x="connsiteX0" y="connsiteY0"/>
-              </a:cxn>
-              <a:cxn ang="0">
-                <a:pos x="connsiteX1" y="connsiteY1"/>
-              </a:cxn>
-              <a:cxn ang="0">
-                <a:pos x="connsiteX2" y="connsiteY2"/>
-              </a:cxn>
-              <a:cxn ang="0">
-                <a:pos x="connsiteX3" y="connsiteY3"/>
-              </a:cxn>
-              <a:cxn ang="0">
-                <a:pos x="connsiteX4" y="connsiteY4"/>
-              </a:cxn>
-              <a:cxn ang="0">
-                <a:pos x="connsiteX5" y="connsiteY5"/>
-              </a:cxn>
-              <a:cxn ang="0">
-                <a:pos x="connsiteX6" y="connsiteY6"/>
-              </a:cxn>
-              <a:cxn ang="0">
-                <a:pos x="connsiteX7" y="connsiteY7"/>
-              </a:cxn>
-              <a:cxn ang="0">
-                <a:pos x="connsiteX8" y="connsiteY8"/>
-              </a:cxn>
-              <a:cxn ang="0">
-                <a:pos x="connsiteX9" y="connsiteY9"/>
-              </a:cxn>
-              <a:cxn ang="0">
-                <a:pos x="connsiteX10" y="connsiteY10"/>
-              </a:cxn>
-              <a:cxn ang="0">
-                <a:pos x="connsiteX11" y="connsiteY11"/>
-              </a:cxn>
-              <a:cxn ang="0">
-                <a:pos x="connsiteX12" y="connsiteY12"/>
-              </a:cxn>
-              <a:cxn ang="0">
-                <a:pos x="connsiteX13" y="connsiteY13"/>
-              </a:cxn>
-              <a:cxn ang="0">
-                <a:pos x="connsiteX14" y="connsiteY14"/>
-              </a:cxn>
-              <a:cxn ang="0">
-                <a:pos x="connsiteX15" y="connsiteY15"/>
-              </a:cxn>
-              <a:cxn ang="0">
-                <a:pos x="connsiteX16" y="connsiteY16"/>
-              </a:cxn>
-              <a:cxn ang="0">
-                <a:pos x="connsiteX17" y="connsiteY17"/>
-              </a:cxn>
-              <a:cxn ang="0">
-                <a:pos x="connsiteX18" y="connsiteY18"/>
-              </a:cxn>
-              <a:cxn ang="0">
-                <a:pos x="connsiteX19" y="connsiteY19"/>
-              </a:cxn>
-              <a:cxn ang="0">
-                <a:pos x="connsiteX20" y="connsiteY20"/>
-              </a:cxn>
-              <a:cxn ang="0">
-                <a:pos x="connsiteX21" y="connsiteY21"/>
-              </a:cxn>
-              <a:cxn ang="0">
-                <a:pos x="connsiteX22" y="connsiteY22"/>
-              </a:cxn>
-              <a:cxn ang="0">
-                <a:pos x="connsiteX23" y="connsiteY23"/>
-              </a:cxn>
-              <a:cxn ang="0">
-                <a:pos x="connsiteX24" y="connsiteY24"/>
-              </a:cxn>
-              <a:cxn ang="0">
-                <a:pos x="connsiteX25" y="connsiteY25"/>
-              </a:cxn>
-              <a:cxn ang="0">
-                <a:pos x="connsiteX26" y="connsiteY26"/>
-              </a:cxn>
-              <a:cxn ang="0">
-                <a:pos x="connsiteX27" y="connsiteY27"/>
-              </a:cxn>
-              <a:cxn ang="0">
-                <a:pos x="connsiteX28" y="connsiteY28"/>
-              </a:cxn>
-              <a:cxn ang="0">
-                <a:pos x="connsiteX29" y="connsiteY29"/>
-              </a:cxn>
-              <a:cxn ang="0">
-                <a:pos x="connsiteX30" y="connsiteY30"/>
-              </a:cxn>
-              <a:cxn ang="0">
-                <a:pos x="connsiteX31" y="connsiteY31"/>
-              </a:cxn>
-              <a:cxn ang="0">
-                <a:pos x="connsiteX32" y="connsiteY32"/>
-              </a:cxn>
-              <a:cxn ang="0">
-                <a:pos x="connsiteX33" y="connsiteY33"/>
-              </a:cxn>
-              <a:cxn ang="0">
-                <a:pos x="connsiteX34" y="connsiteY34"/>
-              </a:cxn>
-              <a:cxn ang="0">
-                <a:pos x="connsiteX35" y="connsiteY35"/>
-              </a:cxn>
-              <a:cxn ang="0">
-                <a:pos x="connsiteX36" y="connsiteY36"/>
-              </a:cxn>
-              <a:cxn ang="0">
-                <a:pos x="connsiteX37" y="connsiteY37"/>
-              </a:cxn>
-              <a:cxn ang="0">
-                <a:pos x="connsiteX38" y="connsiteY38"/>
-              </a:cxn>
-              <a:cxn ang="0">
-                <a:pos x="connsiteX39" y="connsiteY39"/>
-              </a:cxn>
-              <a:cxn ang="0">
-                <a:pos x="connsiteX40" y="connsiteY40"/>
-              </a:cxn>
-              <a:cxn ang="0">
-                <a:pos x="connsiteX41" y="connsiteY41"/>
-              </a:cxn>
-              <a:cxn ang="0">
-                <a:pos x="connsiteX42" y="connsiteY42"/>
-              </a:cxn>
-              <a:cxn ang="0">
-                <a:pos x="connsiteX43" y="connsiteY43"/>
-              </a:cxn>
-              <a:cxn ang="0">
-                <a:pos x="connsiteX44" y="connsiteY44"/>
-              </a:cxn>
-              <a:cxn ang="0">
-                <a:pos x="connsiteX45" y="connsiteY45"/>
-              </a:cxn>
-              <a:cxn ang="0">
-                <a:pos x="connsiteX46" y="connsiteY46"/>
-              </a:cxn>
-              <a:cxn ang="0">
-                <a:pos x="connsiteX47" y="connsiteY47"/>
-              </a:cxn>
-              <a:cxn ang="0">
-                <a:pos x="connsiteX48" y="connsiteY48"/>
-              </a:cxn>
-              <a:cxn ang="0">
-                <a:pos x="connsiteX49" y="connsiteY49"/>
-              </a:cxn>
-              <a:cxn ang="0">
-                <a:pos x="connsiteX50" y="connsiteY50"/>
-              </a:cxn>
-              <a:cxn ang="0">
-                <a:pos x="connsiteX51" y="connsiteY51"/>
-              </a:cxn>
-            </a:cxnLst>
-            <a:rect l="l" t="t" r="r" b="b"/>
-            <a:pathLst>
-              <a:path w="6858001" h="8030691">
-                <a:moveTo>
-                  <a:pt x="6858001" y="1177"/>
-                </a:moveTo>
-                <a:lnTo>
-                  <a:pt x="6858001" y="1344715"/>
-                </a:lnTo>
-                <a:lnTo>
-                  <a:pt x="6858000" y="1344715"/>
-                </a:lnTo>
-                <a:lnTo>
-                  <a:pt x="6858000" y="8030691"/>
-                </a:lnTo>
-                <a:lnTo>
-                  <a:pt x="0" y="8030690"/>
-                </a:lnTo>
-                <a:lnTo>
-                  <a:pt x="0" y="477747"/>
-                </a:lnTo>
-                <a:lnTo>
-                  <a:pt x="1" y="477747"/>
-                </a:lnTo>
-                <a:lnTo>
-                  <a:pt x="1" y="0"/>
-                </a:lnTo>
-                <a:lnTo>
-                  <a:pt x="40463" y="5883"/>
-                </a:lnTo>
-                <a:lnTo>
-                  <a:pt x="159107" y="23196"/>
-                </a:lnTo>
-                <a:lnTo>
-                  <a:pt x="245518" y="35299"/>
-                </a:lnTo>
-                <a:lnTo>
-                  <a:pt x="348388" y="48074"/>
-                </a:lnTo>
-                <a:lnTo>
-                  <a:pt x="470460" y="63370"/>
-                </a:lnTo>
-                <a:lnTo>
-                  <a:pt x="605563" y="79507"/>
-                </a:lnTo>
-                <a:lnTo>
-                  <a:pt x="757810" y="96484"/>
-                </a:lnTo>
-                <a:lnTo>
-                  <a:pt x="923774" y="114469"/>
-                </a:lnTo>
-                <a:lnTo>
-                  <a:pt x="1104139" y="132455"/>
-                </a:lnTo>
-                <a:lnTo>
-                  <a:pt x="1296163" y="150776"/>
-                </a:lnTo>
-                <a:lnTo>
-                  <a:pt x="1503275" y="167753"/>
-                </a:lnTo>
-                <a:lnTo>
-                  <a:pt x="1719988" y="184058"/>
-                </a:lnTo>
-                <a:lnTo>
-                  <a:pt x="1949045" y="198850"/>
-                </a:lnTo>
-                <a:lnTo>
-                  <a:pt x="2187703" y="212969"/>
-                </a:lnTo>
-                <a:lnTo>
-                  <a:pt x="2436649" y="226249"/>
-                </a:lnTo>
-                <a:lnTo>
-                  <a:pt x="2564208" y="230955"/>
-                </a:lnTo>
-                <a:lnTo>
-                  <a:pt x="2694509" y="236166"/>
-                </a:lnTo>
-                <a:lnTo>
-                  <a:pt x="2826869" y="241040"/>
-                </a:lnTo>
-                <a:lnTo>
-                  <a:pt x="2959914" y="244234"/>
-                </a:lnTo>
-                <a:lnTo>
-                  <a:pt x="3095702" y="247092"/>
-                </a:lnTo>
-                <a:lnTo>
-                  <a:pt x="3232862" y="250117"/>
-                </a:lnTo>
-                <a:lnTo>
-                  <a:pt x="3372766" y="252134"/>
-                </a:lnTo>
-                <a:lnTo>
-                  <a:pt x="3514040" y="252134"/>
-                </a:lnTo>
-                <a:lnTo>
-                  <a:pt x="3656686" y="253143"/>
-                </a:lnTo>
-                <a:lnTo>
-                  <a:pt x="3800705" y="252134"/>
-                </a:lnTo>
-                <a:lnTo>
-                  <a:pt x="3946780" y="250117"/>
-                </a:lnTo>
-                <a:lnTo>
-                  <a:pt x="4092856" y="248268"/>
-                </a:lnTo>
-                <a:lnTo>
-                  <a:pt x="4240988" y="244234"/>
-                </a:lnTo>
-                <a:lnTo>
-                  <a:pt x="4390492" y="240032"/>
-                </a:lnTo>
-                <a:lnTo>
-                  <a:pt x="4539997" y="235157"/>
-                </a:lnTo>
-                <a:lnTo>
-                  <a:pt x="4690873" y="228266"/>
-                </a:lnTo>
-                <a:lnTo>
-                  <a:pt x="4843120" y="220029"/>
-                </a:lnTo>
-                <a:lnTo>
-                  <a:pt x="4996054" y="212129"/>
-                </a:lnTo>
-                <a:lnTo>
-                  <a:pt x="5148987" y="202044"/>
-                </a:lnTo>
-                <a:lnTo>
-                  <a:pt x="5303978" y="189941"/>
-                </a:lnTo>
-                <a:lnTo>
-                  <a:pt x="5456911" y="177839"/>
-                </a:lnTo>
-                <a:lnTo>
-                  <a:pt x="5612588" y="163887"/>
-                </a:lnTo>
-                <a:lnTo>
-                  <a:pt x="5768950" y="148591"/>
-                </a:lnTo>
-                <a:lnTo>
-                  <a:pt x="5923255" y="132455"/>
-                </a:lnTo>
-                <a:lnTo>
-                  <a:pt x="6079618" y="113629"/>
-                </a:lnTo>
-                <a:lnTo>
-                  <a:pt x="6235294" y="93458"/>
-                </a:lnTo>
-                <a:lnTo>
-                  <a:pt x="6391657" y="73455"/>
-                </a:lnTo>
-                <a:lnTo>
-                  <a:pt x="6547333" y="50091"/>
-                </a:lnTo>
-                <a:lnTo>
-                  <a:pt x="6702324" y="26222"/>
-                </a:lnTo>
-                <a:close/>
-              </a:path>
-            </a:pathLst>
-          </a:custGeom>
-          <a:ln>
-            <a:noFill/>
+          <a:prstGeom prst="roundRect">
+            <a:avLst>
+              <a:gd name="adj" fmla="val 0"/>
+            </a:avLst>
+          </a:prstGeom>
+          <a:ln w="12700">
+            <a:solidFill>
+              <a:schemeClr val="bg2"/>
+            </a:solidFill>
           </a:ln>
+          <a:effectLst>
+            <a:outerShdw blurRad="50800" dist="50800" dir="5400000" algn="tl" rotWithShape="0">
+              <a:srgbClr val="000000">
+                <a:alpha val="43000"/>
+              </a:srgbClr>
+            </a:outerShdw>
+          </a:effectLst>
         </p:spPr>
-      </p:sp>
-      <p:sp>
-        <p:nvSpPr>
-          <p:cNvPr id="15" name="Rectangle 14">
+        <p:style>
+          <a:lnRef idx="2">
+            <a:schemeClr val="accent1">
+              <a:shade val="50000"/>
+            </a:schemeClr>
+          </a:lnRef>
+          <a:fillRef idx="1">
+            <a:schemeClr val="accent1"/>
+          </a:fillRef>
+          <a:effectRef idx="0">
+            <a:schemeClr val="accent1"/>
+          </a:effectRef>
+          <a:fontRef idx="minor">
+            <a:schemeClr val="lt1"/>
+          </a:fontRef>
+        </p:style>
+        <p:txBody>
+          <a:bodyPr rtlCol="0" anchor="ctr"/>
+          <a:lstStyle/>
+          <a:p>
+            <a:pPr algn="ctr"/>
+            <a:endParaRPr lang="en-US"/>
+          </a:p>
+        </p:txBody>
+      </p:sp>
+      <p:pic>
+        <p:nvPicPr>
+          <p:cNvPr id="5" name="Imagen 4">
             <a:extLst>
               <a:ext uri="{FF2B5EF4-FFF2-40B4-BE49-F238E27FC236}">
-                <a16:creationId xmlns:a16="http://schemas.microsoft.com/office/drawing/2014/main" id="{A4B31EAA-7423-46F7-9B90-4AB2B09C35C4}"/>
+                <a16:creationId xmlns:a16="http://schemas.microsoft.com/office/drawing/2014/main" id="{DF65AF3E-8A25-4165-BBA0-9E6ABAA52AD7}"/>
+              </a:ext>
+            </a:extLst>
+          </p:cNvPr>
+          <p:cNvPicPr>
+            <a:picLocks noChangeAspect="1"/>
+          </p:cNvPicPr>
+          <p:nvPr/>
+        </p:nvPicPr>
+        <p:blipFill rotWithShape="1">
+          <a:blip r:embed="rId2"/>
+          <a:srcRect r="19570"/>
+          <a:stretch/>
+        </p:blipFill>
+        <p:spPr>
+          <a:xfrm>
+            <a:off x="5438582" y="571500"/>
+            <a:ext cx="5842690" cy="5448269"/>
+          </a:xfrm>
+          <a:prstGeom prst="rect">
+            <a:avLst/>
+          </a:prstGeom>
+          <a:effectLst/>
+        </p:spPr>
+      </p:pic>
+      <p:sp>
+        <p:nvSpPr>
+          <p:cNvPr id="26" name="Rectangle 25">
+            <a:extLst>
+              <a:ext uri="{FF2B5EF4-FFF2-40B4-BE49-F238E27FC236}">
+                <a16:creationId xmlns:a16="http://schemas.microsoft.com/office/drawing/2014/main" id="{172BE3F8-96D6-4535-9AE4-694DC4F5B13F}"/>
               </a:ext>
               <a:ext uri="{C183D7F6-B498-43B3-948B-1728B52AA6E4}">
                 <adec:decorative xmlns:adec="http://schemas.microsoft.com/office/drawing/2017/decorative" val="1"/>
@@ -10739,7 +10093,7 @@
         </p:nvSpPr>
         <p:spPr>
           <a:xfrm>
-            <a:off x="10437812" y="0"/>
+            <a:off x="10442448" y="0"/>
             <a:ext cx="685800" cy="1143000"/>
           </a:xfrm>
           <a:prstGeom prst="rect">
@@ -10767,37 +10121,6 @@
           </a:fontRef>
         </p:style>
       </p:sp>
-      <p:pic>
-        <p:nvPicPr>
-          <p:cNvPr id="4" name="Imagen 3">
-            <a:extLst>
-              <a:ext uri="{FF2B5EF4-FFF2-40B4-BE49-F238E27FC236}">
-                <a16:creationId xmlns:a16="http://schemas.microsoft.com/office/drawing/2014/main" id="{5E07AF33-A3BF-42F0-B6DD-D5727A2DAD51}"/>
-              </a:ext>
-            </a:extLst>
-          </p:cNvPr>
-          <p:cNvPicPr>
-            <a:picLocks noChangeAspect="1"/>
-          </p:cNvPicPr>
-          <p:nvPr/>
-        </p:nvPicPr>
-        <p:blipFill>
-          <a:blip r:embed="rId2"/>
-          <a:stretch>
-            <a:fillRect/>
-          </a:stretch>
-        </p:blipFill>
-        <p:spPr>
-          <a:xfrm>
-            <a:off x="3604396" y="1143000"/>
-            <a:ext cx="8304580" cy="5169600"/>
-          </a:xfrm>
-          <a:prstGeom prst="rect">
-            <a:avLst/>
-          </a:prstGeom>
-          <a:effectLst/>
-        </p:spPr>
-      </p:pic>
     </p:spTree>
     <p:extLst>
       <p:ext uri="{BB962C8B-B14F-4D97-AF65-F5344CB8AC3E}">

--- a/doc/presentación.pptx
+++ b/doc/presentación.pptx
@@ -9693,10 +9693,10 @@
       </p:sp>
       <p:pic>
         <p:nvPicPr>
-          <p:cNvPr id="5" name="Imagen 4">
+          <p:cNvPr id="4" name="Imagen 3">
             <a:extLst>
               <a:ext uri="{FF2B5EF4-FFF2-40B4-BE49-F238E27FC236}">
-                <a16:creationId xmlns:a16="http://schemas.microsoft.com/office/drawing/2014/main" id="{400386D8-2658-4B9B-8C6E-A550EE19A6A4}"/>
+                <a16:creationId xmlns:a16="http://schemas.microsoft.com/office/drawing/2014/main" id="{158AA2C9-ACBC-4357-8DB1-00972A4D2684}"/>
               </a:ext>
             </a:extLst>
           </p:cNvPr>
@@ -9713,8 +9713,8 @@
         </p:blipFill>
         <p:spPr>
           <a:xfrm>
-            <a:off x="1114425" y="3024187"/>
-            <a:ext cx="9963150" cy="809625"/>
+            <a:off x="876300" y="3038475"/>
+            <a:ext cx="10439400" cy="781050"/>
           </a:xfrm>
           <a:prstGeom prst="rect">
             <a:avLst/>
